--- a/Prezentacija.pptx
+++ b/Prezentacija.pptx
@@ -3511,7 +3511,12 @@
             <p:ph type="ctrTitle"/>
           </p:nvPr>
         </p:nvSpPr>
-        <p:spPr/>
+        <p:spPr>
+          <a:xfrm>
+            <a:off x="1286005" y="1997808"/>
+            <a:ext cx="9144000" cy="2387600"/>
+          </a:xfrm>
+        </p:spPr>
         <p:txBody>
           <a:bodyPr>
             <a:normAutofit/>
@@ -3545,31 +3550,6 @@
               <a:t>Izrada WEB shopa </a:t>
             </a:r>
             <a:endParaRPr lang="hr-HR" dirty="0"/>
-          </a:p>
-        </p:txBody>
-      </p:sp>
-      <p:sp>
-        <p:nvSpPr>
-          <p:cNvPr id="3" name="Podnaslov 2">
-            <a:extLst>
-              <a:ext uri="{FF2B5EF4-FFF2-40B4-BE49-F238E27FC236}">
-                <a16:creationId xmlns:a16="http://schemas.microsoft.com/office/drawing/2014/main" id="{219DB7CA-510B-4CB2-A027-22DE917E0F9A}"/>
-              </a:ext>
-            </a:extLst>
-          </p:cNvPr>
-          <p:cNvSpPr>
-            <a:spLocks noGrp="1"/>
-          </p:cNvSpPr>
-          <p:nvPr>
-            <p:ph type="subTitle" idx="1"/>
-          </p:nvPr>
-        </p:nvSpPr>
-        <p:spPr/>
-        <p:txBody>
-          <a:bodyPr/>
-          <a:lstStyle/>
-          <a:p>
-            <a:endParaRPr lang="hr-HR"/>
           </a:p>
         </p:txBody>
       </p:sp>
@@ -3645,6 +3625,116 @@
           </a:prstGeom>
         </p:spPr>
       </p:pic>
+      <p:grpSp>
+        <p:nvGrpSpPr>
+          <p:cNvPr id="7" name="Grupa 6">
+            <a:extLst>
+              <a:ext uri="{FF2B5EF4-FFF2-40B4-BE49-F238E27FC236}">
+                <a16:creationId xmlns:a16="http://schemas.microsoft.com/office/drawing/2014/main" id="{AB64293F-0D7D-444C-AE10-C07B0209BE70}"/>
+              </a:ext>
+            </a:extLst>
+          </p:cNvPr>
+          <p:cNvGrpSpPr/>
+          <p:nvPr/>
+        </p:nvGrpSpPr>
+        <p:grpSpPr>
+          <a:xfrm>
+            <a:off x="9031265" y="563671"/>
+            <a:ext cx="2605413" cy="1954061"/>
+            <a:chOff x="4439523" y="2953011"/>
+            <a:chExt cx="2916887" cy="1583286"/>
+          </a:xfrm>
+        </p:grpSpPr>
+        <p:pic>
+          <p:nvPicPr>
+            <p:cNvPr id="8" name="Grafika 7">
+              <a:extLst>
+                <a:ext uri="{FF2B5EF4-FFF2-40B4-BE49-F238E27FC236}">
+                  <a16:creationId xmlns:a16="http://schemas.microsoft.com/office/drawing/2014/main" id="{76D42038-E8AA-4590-AFDB-DF7E2B789ECD}"/>
+                </a:ext>
+              </a:extLst>
+            </p:cNvPr>
+            <p:cNvPicPr>
+              <a:picLocks noChangeAspect="1"/>
+            </p:cNvPicPr>
+            <p:nvPr/>
+          </p:nvPicPr>
+          <p:blipFill>
+            <a:blip r:embed="rId5">
+              <a:extLst>
+                <a:ext uri="{28A0092B-C50C-407E-A947-70E740481C1C}">
+                  <a14:useLocalDpi xmlns:a14="http://schemas.microsoft.com/office/drawing/2010/main" val="0"/>
+                </a:ext>
+                <a:ext uri="{96DAC541-7B7A-43D3-8B79-37D633B846F1}">
+                  <asvg:svgBlip xmlns:asvg="http://schemas.microsoft.com/office/drawing/2016/SVG/main" r:embed="rId6"/>
+                </a:ext>
+              </a:extLst>
+            </a:blip>
+            <a:stretch>
+              <a:fillRect/>
+            </a:stretch>
+          </p:blipFill>
+          <p:spPr>
+            <a:xfrm>
+              <a:off x="4439523" y="2953011"/>
+              <a:ext cx="2916887" cy="1583286"/>
+            </a:xfrm>
+            <a:prstGeom prst="rect">
+              <a:avLst/>
+            </a:prstGeom>
+          </p:spPr>
+        </p:pic>
+        <p:sp>
+          <p:nvSpPr>
+            <p:cNvPr id="9" name="TekstniOkvir 8">
+              <a:extLst>
+                <a:ext uri="{FF2B5EF4-FFF2-40B4-BE49-F238E27FC236}">
+                  <a16:creationId xmlns:a16="http://schemas.microsoft.com/office/drawing/2014/main" id="{5DEDE80A-3852-43D0-B727-AAB0C7A275C8}"/>
+                </a:ext>
+              </a:extLst>
+            </p:cNvPr>
+            <p:cNvSpPr txBox="1"/>
+            <p:nvPr/>
+          </p:nvSpPr>
+          <p:spPr>
+            <a:xfrm>
+              <a:off x="4670414" y="3486900"/>
+              <a:ext cx="2455102" cy="881088"/>
+            </a:xfrm>
+            <a:prstGeom prst="rect">
+              <a:avLst/>
+            </a:prstGeom>
+            <a:noFill/>
+          </p:spPr>
+          <p:txBody>
+            <a:bodyPr wrap="square" rtlCol="0">
+              <a:spAutoFit/>
+            </a:bodyPr>
+            <a:lstStyle/>
+            <a:p>
+              <a:r>
+                <a:rPr lang="en-US" sz="2800" dirty="0">
+                  <a:solidFill>
+                    <a:schemeClr val="bg1"/>
+                  </a:solidFill>
+                </a:rPr>
+                <a:t>Tim </a:t>
+              </a:r>
+              <a:r>
+                <a:rPr lang="en-US" sz="2800" b="1" dirty="0">
+                  <a:solidFill>
+                    <a:schemeClr val="bg1"/>
+                  </a:solidFill>
+                </a:rPr>
+                <a:t>BATMAN</a:t>
+              </a:r>
+            </a:p>
+            <a:p>
+              <a:endParaRPr lang="hr-HR" sz="2800" dirty="0"/>
+            </a:p>
+          </p:txBody>
+        </p:sp>
+      </p:grpSp>
     </p:spTree>
     <p:extLst>
       <p:ext uri="{BB962C8B-B14F-4D97-AF65-F5344CB8AC3E}">

--- a/Prezentacija.pptx
+++ b/Prezentacija.pptx
@@ -5,14 +5,16 @@
     <p:sldMasterId id="2147483660" r:id="rId1"/>
   </p:sldMasterIdLst>
   <p:notesMasterIdLst>
-    <p:notesMasterId r:id="rId7"/>
+    <p:notesMasterId r:id="rId9"/>
   </p:notesMasterIdLst>
   <p:sldIdLst>
-    <p:sldId id="256" r:id="rId2"/>
-    <p:sldId id="261" r:id="rId3"/>
-    <p:sldId id="259" r:id="rId4"/>
-    <p:sldId id="260" r:id="rId5"/>
-    <p:sldId id="258" r:id="rId6"/>
+    <p:sldId id="263" r:id="rId2"/>
+    <p:sldId id="256" r:id="rId3"/>
+    <p:sldId id="261" r:id="rId4"/>
+    <p:sldId id="259" r:id="rId5"/>
+    <p:sldId id="260" r:id="rId6"/>
+    <p:sldId id="258" r:id="rId7"/>
+    <p:sldId id="262" r:id="rId8"/>
   </p:sldIdLst>
   <p:sldSz cx="12192000" cy="6858000"/>
   <p:notesSz cx="6858000" cy="9144000"/>
@@ -201,7 +203,7 @@
           <a:p>
             <a:fld id="{33551FC5-BDF9-4D3A-8D5E-EE8D199ABB61}" type="datetimeFigureOut">
               <a:rPr lang="hr-HR" smtClean="0"/>
-              <a:t>4.6.2019.</a:t>
+              <a:t>7.6.2019.</a:t>
             </a:fld>
             <a:endParaRPr lang="hr-HR"/>
           </a:p>
@@ -512,6 +514,44 @@
           <a:bodyPr/>
           <a:lstStyle/>
           <a:p>
+            <a:r>
+              <a:rPr lang="en-US" dirty="0" err="1"/>
+              <a:t>Dobar</a:t>
+            </a:r>
+            <a:r>
+              <a:rPr lang="en-US" dirty="0"/>
+              <a:t> dan!</a:t>
+            </a:r>
+          </a:p>
+          <a:p>
+            <a:r>
+              <a:rPr lang="en-US" dirty="0" err="1"/>
+              <a:t>Moje</a:t>
+            </a:r>
+            <a:r>
+              <a:rPr lang="en-US" dirty="0"/>
+              <a:t> </a:t>
+            </a:r>
+            <a:r>
+              <a:rPr lang="en-US" dirty="0" err="1"/>
+              <a:t>ime</a:t>
+            </a:r>
+            <a:r>
+              <a:rPr lang="en-US" dirty="0"/>
+              <a:t> je </a:t>
+            </a:r>
+            <a:r>
+              <a:rPr lang="en-US" dirty="0" err="1"/>
+              <a:t>Karlo</a:t>
+            </a:r>
+            <a:r>
+              <a:rPr lang="en-US" dirty="0"/>
+              <a:t> </a:t>
+            </a:r>
+            <a:r>
+              <a:rPr lang="en-US" dirty="0" err="1"/>
+              <a:t>Džafić</a:t>
+            </a:r>
             <a:endParaRPr lang="hr-HR" dirty="0"/>
           </a:p>
         </p:txBody>
@@ -533,7 +573,7 @@
           <a:p>
             <a:fld id="{D56AA2E7-51CA-4143-AC22-318066EDDE37}" type="slidenum">
               <a:rPr lang="hr-HR" smtClean="0"/>
-              <a:t>1</a:t>
+              <a:t>2</a:t>
             </a:fld>
             <a:endParaRPr lang="hr-HR"/>
           </a:p>
@@ -683,7 +723,7 @@
           <a:p>
             <a:fld id="{3FEDB172-F0CD-45A5-8DCB-42EE545E7E28}" type="datetimeFigureOut">
               <a:rPr lang="hr-HR" smtClean="0"/>
-              <a:t>4.6.2019.</a:t>
+              <a:t>7.6.2019.</a:t>
             </a:fld>
             <a:endParaRPr lang="hr-HR"/>
           </a:p>
@@ -853,7 +893,7 @@
           <a:p>
             <a:fld id="{3FEDB172-F0CD-45A5-8DCB-42EE545E7E28}" type="datetimeFigureOut">
               <a:rPr lang="hr-HR" smtClean="0"/>
-              <a:t>4.6.2019.</a:t>
+              <a:t>7.6.2019.</a:t>
             </a:fld>
             <a:endParaRPr lang="hr-HR"/>
           </a:p>
@@ -1033,7 +1073,7 @@
           <a:p>
             <a:fld id="{3FEDB172-F0CD-45A5-8DCB-42EE545E7E28}" type="datetimeFigureOut">
               <a:rPr lang="hr-HR" smtClean="0"/>
-              <a:t>4.6.2019.</a:t>
+              <a:t>7.6.2019.</a:t>
             </a:fld>
             <a:endParaRPr lang="hr-HR"/>
           </a:p>
@@ -1285,7 +1325,7 @@
           <a:p>
             <a:fld id="{3FEDB172-F0CD-45A5-8DCB-42EE545E7E28}" type="datetimeFigureOut">
               <a:rPr lang="hr-HR" smtClean="0"/>
-              <a:t>4.6.2019.</a:t>
+              <a:t>7.6.2019.</a:t>
             </a:fld>
             <a:endParaRPr lang="hr-HR"/>
           </a:p>
@@ -1531,7 +1571,7 @@
           <a:p>
             <a:fld id="{3FEDB172-F0CD-45A5-8DCB-42EE545E7E28}" type="datetimeFigureOut">
               <a:rPr lang="hr-HR" smtClean="0"/>
-              <a:t>4.6.2019.</a:t>
+              <a:t>7.6.2019.</a:t>
             </a:fld>
             <a:endParaRPr lang="hr-HR"/>
           </a:p>
@@ -1763,7 +1803,7 @@
           <a:p>
             <a:fld id="{3FEDB172-F0CD-45A5-8DCB-42EE545E7E28}" type="datetimeFigureOut">
               <a:rPr lang="hr-HR" smtClean="0"/>
-              <a:t>4.6.2019.</a:t>
+              <a:t>7.6.2019.</a:t>
             </a:fld>
             <a:endParaRPr lang="hr-HR"/>
           </a:p>
@@ -2130,7 +2170,7 @@
           <a:p>
             <a:fld id="{3FEDB172-F0CD-45A5-8DCB-42EE545E7E28}" type="datetimeFigureOut">
               <a:rPr lang="hr-HR" smtClean="0"/>
-              <a:t>4.6.2019.</a:t>
+              <a:t>7.6.2019.</a:t>
             </a:fld>
             <a:endParaRPr lang="hr-HR"/>
           </a:p>
@@ -2248,7 +2288,7 @@
           <a:p>
             <a:fld id="{3FEDB172-F0CD-45A5-8DCB-42EE545E7E28}" type="datetimeFigureOut">
               <a:rPr lang="hr-HR" smtClean="0"/>
-              <a:t>4.6.2019.</a:t>
+              <a:t>7.6.2019.</a:t>
             </a:fld>
             <a:endParaRPr lang="hr-HR"/>
           </a:p>
@@ -2343,7 +2383,7 @@
           <a:p>
             <a:fld id="{3FEDB172-F0CD-45A5-8DCB-42EE545E7E28}" type="datetimeFigureOut">
               <a:rPr lang="hr-HR" smtClean="0"/>
-              <a:t>4.6.2019.</a:t>
+              <a:t>7.6.2019.</a:t>
             </a:fld>
             <a:endParaRPr lang="hr-HR"/>
           </a:p>
@@ -2620,7 +2660,7 @@
           <a:p>
             <a:fld id="{3FEDB172-F0CD-45A5-8DCB-42EE545E7E28}" type="datetimeFigureOut">
               <a:rPr lang="hr-HR" smtClean="0"/>
-              <a:t>4.6.2019.</a:t>
+              <a:t>7.6.2019.</a:t>
             </a:fld>
             <a:endParaRPr lang="hr-HR"/>
           </a:p>
@@ -2877,7 +2917,7 @@
           <a:p>
             <a:fld id="{3FEDB172-F0CD-45A5-8DCB-42EE545E7E28}" type="datetimeFigureOut">
               <a:rPr lang="hr-HR" smtClean="0"/>
-              <a:t>4.6.2019.</a:t>
+              <a:t>7.6.2019.</a:t>
             </a:fld>
             <a:endParaRPr lang="hr-HR"/>
           </a:p>
@@ -3090,7 +3130,7 @@
           <a:p>
             <a:fld id="{3FEDB172-F0CD-45A5-8DCB-42EE545E7E28}" type="datetimeFigureOut">
               <a:rPr lang="hr-HR" smtClean="0"/>
-              <a:t>4.6.2019.</a:t>
+              <a:t>7.6.2019.</a:t>
             </a:fld>
             <a:endParaRPr lang="hr-HR"/>
           </a:p>
@@ -3481,6 +3521,156 @@
 <file path=ppt/slides/slide1.xml><?xml version="1.0" encoding="utf-8"?>
 <p:sld xmlns:a="http://schemas.openxmlformats.org/drawingml/2006/main" xmlns:r="http://schemas.openxmlformats.org/officeDocument/2006/relationships" xmlns:p="http://schemas.openxmlformats.org/presentationml/2006/main">
   <p:cSld>
+    <p:bg>
+      <p:bgPr>
+        <a:solidFill>
+          <a:schemeClr val="tx1"/>
+        </a:solidFill>
+        <a:effectLst/>
+      </p:bgPr>
+    </p:bg>
+    <p:spTree>
+      <p:nvGrpSpPr>
+        <p:cNvPr id="1" name=""/>
+        <p:cNvGrpSpPr/>
+        <p:nvPr/>
+      </p:nvGrpSpPr>
+      <p:grpSpPr>
+        <a:xfrm>
+          <a:off x="0" y="0"/>
+          <a:ext cx="0" cy="0"/>
+          <a:chOff x="0" y="0"/>
+          <a:chExt cx="0" cy="0"/>
+        </a:xfrm>
+      </p:grpSpPr>
+      <p:grpSp>
+        <p:nvGrpSpPr>
+          <p:cNvPr id="4" name="Grupa 3">
+            <a:extLst>
+              <a:ext uri="{FF2B5EF4-FFF2-40B4-BE49-F238E27FC236}">
+                <a16:creationId xmlns:a16="http://schemas.microsoft.com/office/drawing/2014/main" id="{EBC636A6-1427-45C0-BBE8-57E6A24FA36E}"/>
+              </a:ext>
+            </a:extLst>
+          </p:cNvPr>
+          <p:cNvGrpSpPr/>
+          <p:nvPr/>
+        </p:nvGrpSpPr>
+        <p:grpSpPr>
+          <a:xfrm>
+            <a:off x="1958977" y="799645"/>
+            <a:ext cx="8274046" cy="4804742"/>
+            <a:chOff x="4439523" y="2953011"/>
+            <a:chExt cx="2916887" cy="1583286"/>
+          </a:xfrm>
+        </p:grpSpPr>
+        <p:pic>
+          <p:nvPicPr>
+            <p:cNvPr id="5" name="Grafika 4">
+              <a:extLst>
+                <a:ext uri="{FF2B5EF4-FFF2-40B4-BE49-F238E27FC236}">
+                  <a16:creationId xmlns:a16="http://schemas.microsoft.com/office/drawing/2014/main" id="{A1C2E6E0-8D4F-4FAA-BB31-940104339722}"/>
+                </a:ext>
+              </a:extLst>
+            </p:cNvPr>
+            <p:cNvPicPr>
+              <a:picLocks noChangeAspect="1"/>
+            </p:cNvPicPr>
+            <p:nvPr/>
+          </p:nvPicPr>
+          <p:blipFill>
+            <a:blip r:embed="rId2">
+              <a:extLst>
+                <a:ext uri="{28A0092B-C50C-407E-A947-70E740481C1C}">
+                  <a14:useLocalDpi xmlns:a14="http://schemas.microsoft.com/office/drawing/2010/main" val="0"/>
+                </a:ext>
+                <a:ext uri="{96DAC541-7B7A-43D3-8B79-37D633B846F1}">
+                  <asvg:svgBlip xmlns:asvg="http://schemas.microsoft.com/office/drawing/2016/SVG/main" r:embed="rId3"/>
+                </a:ext>
+              </a:extLst>
+            </a:blip>
+            <a:stretch>
+              <a:fillRect/>
+            </a:stretch>
+          </p:blipFill>
+          <p:spPr>
+            <a:xfrm>
+              <a:off x="4439523" y="2953011"/>
+              <a:ext cx="2916887" cy="1583286"/>
+            </a:xfrm>
+            <a:prstGeom prst="rect">
+              <a:avLst/>
+            </a:prstGeom>
+          </p:spPr>
+        </p:pic>
+        <p:sp>
+          <p:nvSpPr>
+            <p:cNvPr id="6" name="TekstniOkvir 5">
+              <a:extLst>
+                <a:ext uri="{FF2B5EF4-FFF2-40B4-BE49-F238E27FC236}">
+                  <a16:creationId xmlns:a16="http://schemas.microsoft.com/office/drawing/2014/main" id="{64B54813-4F3B-4138-BA82-4FF8838C8AEF}"/>
+                </a:ext>
+              </a:extLst>
+            </p:cNvPr>
+            <p:cNvSpPr txBox="1"/>
+            <p:nvPr/>
+          </p:nvSpPr>
+          <p:spPr>
+            <a:xfrm>
+              <a:off x="4670414" y="3486900"/>
+              <a:ext cx="2455102" cy="578096"/>
+            </a:xfrm>
+            <a:prstGeom prst="rect">
+              <a:avLst/>
+            </a:prstGeom>
+            <a:noFill/>
+          </p:spPr>
+          <p:txBody>
+            <a:bodyPr wrap="square" rtlCol="0">
+              <a:spAutoFit/>
+            </a:bodyPr>
+            <a:lstStyle/>
+            <a:p>
+              <a:pPr algn="ctr"/>
+              <a:r>
+                <a:rPr lang="en-US" sz="8000" dirty="0">
+                  <a:solidFill>
+                    <a:schemeClr val="bg1"/>
+                  </a:solidFill>
+                </a:rPr>
+                <a:t>Tim </a:t>
+              </a:r>
+              <a:r>
+                <a:rPr lang="en-US" sz="8000" b="1" dirty="0">
+                  <a:solidFill>
+                    <a:schemeClr val="bg1"/>
+                  </a:solidFill>
+                </a:rPr>
+                <a:t>BATMAN</a:t>
+              </a:r>
+            </a:p>
+            <a:p>
+              <a:pPr algn="ctr"/>
+              <a:endParaRPr lang="hr-HR" sz="2800" dirty="0"/>
+            </a:p>
+          </p:txBody>
+        </p:sp>
+      </p:grpSp>
+    </p:spTree>
+    <p:extLst>
+      <p:ext uri="{BB962C8B-B14F-4D97-AF65-F5344CB8AC3E}">
+        <p14:creationId xmlns:p14="http://schemas.microsoft.com/office/powerpoint/2010/main" val="3511455392"/>
+      </p:ext>
+    </p:extLst>
+  </p:cSld>
+  <p:clrMapOvr>
+    <a:masterClrMapping/>
+  </p:clrMapOvr>
+</p:sld>
+</file>
+
+<file path=ppt/slides/slide2.xml><?xml version="1.0" encoding="utf-8"?>
+<p:sld xmlns:a="http://schemas.openxmlformats.org/drawingml/2006/main" xmlns:r="http://schemas.openxmlformats.org/officeDocument/2006/relationships" xmlns:p="http://schemas.openxmlformats.org/presentationml/2006/main">
+  <p:cSld>
     <p:spTree>
       <p:nvGrpSpPr>
         <p:cNvPr id="1" name=""/>
@@ -3745,10 +3935,22 @@
   <p:clrMapOvr>
     <a:masterClrMapping/>
   </p:clrMapOvr>
+  <mc:AlternateContent xmlns:mc="http://schemas.openxmlformats.org/markup-compatibility/2006">
+    <mc:Choice xmlns:p15="http://schemas.microsoft.com/office/powerpoint/2012/main" Requires="p15">
+      <p:transition xmlns:p14="http://schemas.microsoft.com/office/powerpoint/2010/main" spd="slow" p14:dur="5500">
+        <p15:prstTrans prst="curtains"/>
+      </p:transition>
+    </mc:Choice>
+    <mc:Fallback>
+      <p:transition spd="slow">
+        <p:fade/>
+      </p:transition>
+    </mc:Fallback>
+  </mc:AlternateContent>
 </p:sld>
 </file>
 
-<file path=ppt/slides/slide2.xml><?xml version="1.0" encoding="utf-8"?>
+<file path=ppt/slides/slide3.xml><?xml version="1.0" encoding="utf-8"?>
 <p:sld xmlns:a="http://schemas.openxmlformats.org/drawingml/2006/main" xmlns:r="http://schemas.openxmlformats.org/officeDocument/2006/relationships" xmlns:p="http://schemas.openxmlformats.org/presentationml/2006/main">
   <p:cSld>
     <p:spTree>
@@ -3795,7 +3997,7 @@
         </p:blipFill>
         <p:spPr>
           <a:xfrm>
-            <a:off x="4938125" y="1803759"/>
+            <a:off x="5238750" y="1714500"/>
             <a:ext cx="1714500" cy="1714500"/>
           </a:xfrm>
         </p:spPr>
@@ -3828,7 +4030,7 @@
         </p:blipFill>
         <p:spPr>
           <a:xfrm>
-            <a:off x="1146001" y="3131832"/>
+            <a:off x="539272" y="3131830"/>
             <a:ext cx="2609850" cy="1095375"/>
           </a:xfrm>
           <a:prstGeom prst="rect">
@@ -3864,7 +4066,7 @@
         </p:blipFill>
         <p:spPr>
           <a:xfrm>
-            <a:off x="7834899" y="3429000"/>
+            <a:off x="8738010" y="3280936"/>
             <a:ext cx="2813524" cy="797165"/>
           </a:xfrm>
           <a:prstGeom prst="rect">
@@ -3926,7 +4128,7 @@
         </p:nvSpPr>
         <p:spPr>
           <a:xfrm>
-            <a:off x="6368180" y="4847572"/>
+            <a:off x="7059976" y="4847572"/>
             <a:ext cx="2475196" cy="584775"/>
           </a:xfrm>
           <a:prstGeom prst="rect">
@@ -3962,10 +4164,13 @@
   <p:clrMapOvr>
     <a:masterClrMapping/>
   </p:clrMapOvr>
+  <p:transition spd="slow">
+    <p:push dir="u"/>
+  </p:transition>
 </p:sld>
 </file>
 
-<file path=ppt/slides/slide3.xml><?xml version="1.0" encoding="utf-8"?>
+<file path=ppt/slides/slide4.xml><?xml version="1.0" encoding="utf-8"?>
 <p:sld xmlns:a="http://schemas.openxmlformats.org/drawingml/2006/main" xmlns:r="http://schemas.openxmlformats.org/officeDocument/2006/relationships" xmlns:p="http://schemas.openxmlformats.org/presentationml/2006/main">
   <p:cSld>
     <p:spTree>
@@ -4110,10 +4315,13 @@
   <p:clrMapOvr>
     <a:masterClrMapping/>
   </p:clrMapOvr>
+  <p:transition spd="slow">
+    <p:push dir="u"/>
+  </p:transition>
 </p:sld>
 </file>
 
-<file path=ppt/slides/slide4.xml><?xml version="1.0" encoding="utf-8"?>
+<file path=ppt/slides/slide5.xml><?xml version="1.0" encoding="utf-8"?>
 <p:sld xmlns:a="http://schemas.openxmlformats.org/drawingml/2006/main" xmlns:r="http://schemas.openxmlformats.org/officeDocument/2006/relationships" xmlns:p="http://schemas.openxmlformats.org/presentationml/2006/main" showMasterSp="0">
   <p:cSld>
     <p:bg>
@@ -4202,7 +4410,7 @@
         </p:blipFill>
         <p:spPr>
           <a:xfrm>
-            <a:off x="0" y="5745023"/>
+            <a:off x="0" y="5795397"/>
             <a:ext cx="12192000" cy="1121906"/>
           </a:xfrm>
           <a:prstGeom prst="rect">
@@ -4381,7 +4589,7 @@
         <p:spPr bwMode="auto">
           <a:xfrm>
             <a:off x="2553057" y="2432706"/>
-            <a:ext cx="1894446" cy="2257765"/>
+            <a:ext cx="1894446" cy="2574407"/>
           </a:xfrm>
           <a:prstGeom prst="ellipse">
             <a:avLst/>
@@ -4413,186 +4621,6 @@
           </a:extLst>
         </p:spPr>
       </p:pic>
-      <p:pic>
-        <p:nvPicPr>
-          <p:cNvPr id="11" name="Picture 2" descr="Sonja">
-            <a:extLst>
-              <a:ext uri="{FF2B5EF4-FFF2-40B4-BE49-F238E27FC236}">
-                <a16:creationId xmlns:a16="http://schemas.microsoft.com/office/drawing/2014/main" id="{44341CCA-91BA-478F-84AD-43A02E23D75D}"/>
-              </a:ext>
-            </a:extLst>
-          </p:cNvPr>
-          <p:cNvPicPr>
-            <a:picLocks noChangeAspect="1" noChangeArrowheads="1"/>
-          </p:cNvPicPr>
-          <p:nvPr/>
-        </p:nvPicPr>
-        <p:blipFill>
-          <a:blip r:embed="rId6">
-            <a:extLst>
-              <a:ext uri="{28A0092B-C50C-407E-A947-70E740481C1C}">
-                <a14:useLocalDpi xmlns:a14="http://schemas.microsoft.com/office/drawing/2010/main" val="0"/>
-              </a:ext>
-            </a:extLst>
-          </a:blip>
-          <a:srcRect/>
-          <a:stretch>
-            <a:fillRect/>
-          </a:stretch>
-        </p:blipFill>
-        <p:spPr bwMode="auto">
-          <a:xfrm>
-            <a:off x="7948137" y="3006736"/>
-            <a:ext cx="1028178" cy="1225363"/>
-          </a:xfrm>
-          <a:prstGeom prst="rect">
-            <a:avLst/>
-          </a:prstGeom>
-          <a:noFill/>
-          <a:ln>
-            <a:noFill/>
-          </a:ln>
-          <a:extLst>
-            <a:ext uri="{909E8E84-426E-40DD-AFC4-6F175D3DCCD1}">
-              <a14:hiddenFill xmlns:a14="http://schemas.microsoft.com/office/drawing/2010/main">
-                <a:solidFill>
-                  <a:srgbClr val="FFFFFF"/>
-                </a:solidFill>
-              </a14:hiddenFill>
-            </a:ext>
-            <a:ext uri="{91240B29-F687-4F45-9708-019B960494DF}">
-              <a14:hiddenLine xmlns:a14="http://schemas.microsoft.com/office/drawing/2010/main" w="9525">
-                <a:solidFill>
-                  <a:srgbClr val="000000"/>
-                </a:solidFill>
-                <a:miter lim="800000"/>
-                <a:headEnd/>
-                <a:tailEnd/>
-              </a14:hiddenLine>
-            </a:ext>
-          </a:extLst>
-        </p:spPr>
-      </p:pic>
-      <p:pic>
-        <p:nvPicPr>
-          <p:cNvPr id="12" name="Picture 2" descr="Sonja">
-            <a:extLst>
-              <a:ext uri="{FF2B5EF4-FFF2-40B4-BE49-F238E27FC236}">
-                <a16:creationId xmlns:a16="http://schemas.microsoft.com/office/drawing/2014/main" id="{9558E715-E84A-480E-857F-119A3022AB41}"/>
-              </a:ext>
-            </a:extLst>
-          </p:cNvPr>
-          <p:cNvPicPr>
-            <a:picLocks noChangeAspect="1" noChangeArrowheads="1"/>
-          </p:cNvPicPr>
-          <p:nvPr/>
-        </p:nvPicPr>
-        <p:blipFill>
-          <a:blip r:embed="rId6">
-            <a:extLst>
-              <a:ext uri="{28A0092B-C50C-407E-A947-70E740481C1C}">
-                <a14:useLocalDpi xmlns:a14="http://schemas.microsoft.com/office/drawing/2010/main" val="0"/>
-              </a:ext>
-            </a:extLst>
-          </a:blip>
-          <a:srcRect/>
-          <a:stretch>
-            <a:fillRect/>
-          </a:stretch>
-        </p:blipFill>
-        <p:spPr bwMode="auto">
-          <a:xfrm>
-            <a:off x="5407815" y="3067108"/>
-            <a:ext cx="1028178" cy="1225363"/>
-          </a:xfrm>
-          <a:prstGeom prst="rect">
-            <a:avLst/>
-          </a:prstGeom>
-          <a:noFill/>
-          <a:ln>
-            <a:noFill/>
-          </a:ln>
-          <a:extLst>
-            <a:ext uri="{909E8E84-426E-40DD-AFC4-6F175D3DCCD1}">
-              <a14:hiddenFill xmlns:a14="http://schemas.microsoft.com/office/drawing/2010/main">
-                <a:solidFill>
-                  <a:srgbClr val="FFFFFF"/>
-                </a:solidFill>
-              </a14:hiddenFill>
-            </a:ext>
-            <a:ext uri="{91240B29-F687-4F45-9708-019B960494DF}">
-              <a14:hiddenLine xmlns:a14="http://schemas.microsoft.com/office/drawing/2010/main" w="9525">
-                <a:solidFill>
-                  <a:srgbClr val="000000"/>
-                </a:solidFill>
-                <a:miter lim="800000"/>
-                <a:headEnd/>
-                <a:tailEnd/>
-              </a14:hiddenLine>
-            </a:ext>
-          </a:extLst>
-        </p:spPr>
-      </p:pic>
-      <p:pic>
-        <p:nvPicPr>
-          <p:cNvPr id="13" name="Picture 2" descr="Sonja">
-            <a:extLst>
-              <a:ext uri="{FF2B5EF4-FFF2-40B4-BE49-F238E27FC236}">
-                <a16:creationId xmlns:a16="http://schemas.microsoft.com/office/drawing/2014/main" id="{EFC091C9-6D1A-40B4-9309-DF2AA93C91A3}"/>
-              </a:ext>
-            </a:extLst>
-          </p:cNvPr>
-          <p:cNvPicPr>
-            <a:picLocks noChangeAspect="1" noChangeArrowheads="1"/>
-          </p:cNvPicPr>
-          <p:nvPr/>
-        </p:nvPicPr>
-        <p:blipFill>
-          <a:blip r:embed="rId6">
-            <a:extLst>
-              <a:ext uri="{28A0092B-C50C-407E-A947-70E740481C1C}">
-                <a14:useLocalDpi xmlns:a14="http://schemas.microsoft.com/office/drawing/2010/main" val="0"/>
-              </a:ext>
-            </a:extLst>
-          </a:blip>
-          <a:srcRect/>
-          <a:stretch>
-            <a:fillRect/>
-          </a:stretch>
-        </p:blipFill>
-        <p:spPr bwMode="auto">
-          <a:xfrm>
-            <a:off x="10488460" y="2906762"/>
-            <a:ext cx="1028178" cy="1225363"/>
-          </a:xfrm>
-          <a:prstGeom prst="rect">
-            <a:avLst/>
-          </a:prstGeom>
-          <a:noFill/>
-          <a:ln>
-            <a:noFill/>
-          </a:ln>
-          <a:extLst>
-            <a:ext uri="{909E8E84-426E-40DD-AFC4-6F175D3DCCD1}">
-              <a14:hiddenFill xmlns:a14="http://schemas.microsoft.com/office/drawing/2010/main">
-                <a:solidFill>
-                  <a:srgbClr val="FFFFFF"/>
-                </a:solidFill>
-              </a14:hiddenFill>
-            </a:ext>
-            <a:ext uri="{91240B29-F687-4F45-9708-019B960494DF}">
-              <a14:hiddenLine xmlns:a14="http://schemas.microsoft.com/office/drawing/2010/main" w="9525">
-                <a:solidFill>
-                  <a:srgbClr val="000000"/>
-                </a:solidFill>
-                <a:miter lim="800000"/>
-                <a:headEnd/>
-                <a:tailEnd/>
-              </a14:hiddenLine>
-            </a:ext>
-          </a:extLst>
-        </p:spPr>
-      </p:pic>
       <p:sp>
         <p:nvSpPr>
           <p:cNvPr id="2" name="TekstniOkvir 1">
@@ -4644,8 +4672,8 @@
         </p:nvSpPr>
         <p:spPr>
           <a:xfrm>
-            <a:off x="5333353" y="2213163"/>
-            <a:ext cx="1229489" cy="646331"/>
+            <a:off x="4746308" y="1954085"/>
+            <a:ext cx="2449850" cy="369332"/>
           </a:xfrm>
           <a:prstGeom prst="rect">
             <a:avLst/>
@@ -4661,11 +4689,8 @@
             <a:pPr algn="ctr"/>
             <a:r>
               <a:rPr lang="en-US" dirty="0"/>
-              <a:t>Frontend</a:t>
-            </a:r>
-          </a:p>
-          <a:p>
-            <a:pPr algn="ctr"/>
+              <a:t>Frontend  /  </a:t>
+            </a:r>
             <a:r>
               <a:rPr lang="en-US" dirty="0" err="1"/>
               <a:t>Baze</a:t>
@@ -4729,7 +4754,7 @@
         </p:nvSpPr>
         <p:spPr>
           <a:xfrm>
-            <a:off x="10377913" y="2263071"/>
+            <a:off x="10387803" y="1967449"/>
             <a:ext cx="1229489" cy="369332"/>
           </a:xfrm>
           <a:prstGeom prst="rect">
@@ -4766,7 +4791,7 @@
         </p:nvSpPr>
         <p:spPr>
           <a:xfrm>
-            <a:off x="7834532" y="2310008"/>
+            <a:off x="7844422" y="2014386"/>
             <a:ext cx="1229489" cy="369332"/>
           </a:xfrm>
           <a:prstGeom prst="rect">
@@ -4803,7 +4828,7 @@
         </p:nvSpPr>
         <p:spPr>
           <a:xfrm>
-            <a:off x="416725" y="4796081"/>
+            <a:off x="370542" y="5180556"/>
             <a:ext cx="1370259" cy="369332"/>
           </a:xfrm>
           <a:prstGeom prst="rect">
@@ -4848,7 +4873,7 @@
         </p:nvSpPr>
         <p:spPr>
           <a:xfrm>
-            <a:off x="2689231" y="4806927"/>
+            <a:off x="2643048" y="5191402"/>
             <a:ext cx="1650995" cy="369332"/>
           </a:xfrm>
           <a:prstGeom prst="rect">
@@ -4905,7 +4930,7 @@
         <p:spPr bwMode="auto">
           <a:xfrm>
             <a:off x="272676" y="2599958"/>
-            <a:ext cx="2016735" cy="2016735"/>
+            <a:ext cx="2016735" cy="2257765"/>
           </a:xfrm>
           <a:prstGeom prst="ellipse">
             <a:avLst/>
@@ -4927,6 +4952,245 @@
           </a:extLst>
         </p:spPr>
       </p:pic>
+      <p:sp>
+        <p:nvSpPr>
+          <p:cNvPr id="25" name="TekstniOkvir 24">
+            <a:extLst>
+              <a:ext uri="{FF2B5EF4-FFF2-40B4-BE49-F238E27FC236}">
+                <a16:creationId xmlns:a16="http://schemas.microsoft.com/office/drawing/2014/main" id="{C8ADED5B-CD7F-42B1-B107-0369C76518CD}"/>
+              </a:ext>
+            </a:extLst>
+          </p:cNvPr>
+          <p:cNvSpPr txBox="1"/>
+          <p:nvPr/>
+        </p:nvSpPr>
+        <p:spPr>
+          <a:xfrm>
+            <a:off x="5050223" y="5191402"/>
+            <a:ext cx="1893117" cy="369332"/>
+          </a:xfrm>
+          <a:prstGeom prst="rect">
+            <a:avLst/>
+          </a:prstGeom>
+          <a:noFill/>
+        </p:spPr>
+        <p:txBody>
+          <a:bodyPr wrap="square" rtlCol="0">
+            <a:spAutoFit/>
+          </a:bodyPr>
+          <a:lstStyle/>
+          <a:p>
+            <a:pPr algn="ctr"/>
+            <a:r>
+              <a:rPr lang="en-US" dirty="0" err="1"/>
+              <a:t>Mateja</a:t>
+            </a:r>
+            <a:r>
+              <a:rPr lang="en-US" dirty="0"/>
+              <a:t> </a:t>
+            </a:r>
+            <a:r>
+              <a:rPr lang="en-US" dirty="0" err="1"/>
+              <a:t>Cimperšak</a:t>
+            </a:r>
+            <a:endParaRPr lang="hr-HR" dirty="0"/>
+          </a:p>
+        </p:txBody>
+      </p:sp>
+      <p:sp>
+        <p:nvSpPr>
+          <p:cNvPr id="26" name="TekstniOkvir 25">
+            <a:extLst>
+              <a:ext uri="{FF2B5EF4-FFF2-40B4-BE49-F238E27FC236}">
+                <a16:creationId xmlns:a16="http://schemas.microsoft.com/office/drawing/2014/main" id="{889A499A-4263-44A0-B278-0AF086813C71}"/>
+              </a:ext>
+            </a:extLst>
+          </p:cNvPr>
+          <p:cNvSpPr txBox="1"/>
+          <p:nvPr/>
+        </p:nvSpPr>
+        <p:spPr>
+          <a:xfrm>
+            <a:off x="10078097" y="5191402"/>
+            <a:ext cx="1650995" cy="369332"/>
+          </a:xfrm>
+          <a:prstGeom prst="rect">
+            <a:avLst/>
+          </a:prstGeom>
+          <a:noFill/>
+        </p:spPr>
+        <p:txBody>
+          <a:bodyPr wrap="square" rtlCol="0">
+            <a:spAutoFit/>
+          </a:bodyPr>
+          <a:lstStyle/>
+          <a:p>
+            <a:pPr algn="ctr"/>
+            <a:r>
+              <a:rPr lang="en-US" dirty="0" err="1"/>
+              <a:t>Karlo</a:t>
+            </a:r>
+            <a:r>
+              <a:rPr lang="en-US" dirty="0"/>
+              <a:t> </a:t>
+            </a:r>
+            <a:r>
+              <a:rPr lang="en-US" dirty="0" err="1"/>
+              <a:t>Džafić</a:t>
+            </a:r>
+            <a:endParaRPr lang="hr-HR" dirty="0"/>
+          </a:p>
+        </p:txBody>
+      </p:sp>
+      <p:sp>
+        <p:nvSpPr>
+          <p:cNvPr id="27" name="TekstniOkvir 26">
+            <a:extLst>
+              <a:ext uri="{FF2B5EF4-FFF2-40B4-BE49-F238E27FC236}">
+                <a16:creationId xmlns:a16="http://schemas.microsoft.com/office/drawing/2014/main" id="{0F111966-8DDF-42ED-899E-B150BC041AD7}"/>
+              </a:ext>
+            </a:extLst>
+          </p:cNvPr>
+          <p:cNvSpPr txBox="1"/>
+          <p:nvPr/>
+        </p:nvSpPr>
+        <p:spPr>
+          <a:xfrm>
+            <a:off x="7685221" y="5196184"/>
+            <a:ext cx="1650995" cy="369332"/>
+          </a:xfrm>
+          <a:prstGeom prst="rect">
+            <a:avLst/>
+          </a:prstGeom>
+          <a:noFill/>
+        </p:spPr>
+        <p:txBody>
+          <a:bodyPr wrap="square" rtlCol="0">
+            <a:spAutoFit/>
+          </a:bodyPr>
+          <a:lstStyle/>
+          <a:p>
+            <a:pPr algn="ctr"/>
+            <a:r>
+              <a:rPr lang="en-US" dirty="0"/>
+              <a:t>Mate </a:t>
+            </a:r>
+            <a:r>
+              <a:rPr lang="en-US" dirty="0" err="1"/>
+              <a:t>Polić</a:t>
+            </a:r>
+            <a:endParaRPr lang="hr-HR" dirty="0"/>
+          </a:p>
+        </p:txBody>
+      </p:sp>
+      <p:pic>
+        <p:nvPicPr>
+          <p:cNvPr id="4" name="Slika 3">
+            <a:extLst>
+              <a:ext uri="{FF2B5EF4-FFF2-40B4-BE49-F238E27FC236}">
+                <a16:creationId xmlns:a16="http://schemas.microsoft.com/office/drawing/2014/main" id="{197C8444-333A-4500-B18F-BA015C2CB6A9}"/>
+              </a:ext>
+            </a:extLst>
+          </p:cNvPr>
+          <p:cNvPicPr>
+            <a:picLocks noChangeAspect="1"/>
+          </p:cNvPicPr>
+          <p:nvPr/>
+        </p:nvPicPr>
+        <p:blipFill>
+          <a:blip r:embed="rId8"/>
+          <a:stretch>
+            <a:fillRect/>
+          </a:stretch>
+        </p:blipFill>
+        <p:spPr>
+          <a:xfrm>
+            <a:off x="9954020" y="2518695"/>
+            <a:ext cx="1965304" cy="2522601"/>
+          </a:xfrm>
+          <a:prstGeom prst="ellipse">
+            <a:avLst/>
+          </a:prstGeom>
+          <a:ln>
+            <a:noFill/>
+          </a:ln>
+          <a:effectLst>
+            <a:softEdge rad="112500"/>
+          </a:effectLst>
+        </p:spPr>
+      </p:pic>
+      <p:pic>
+        <p:nvPicPr>
+          <p:cNvPr id="5" name="Slika 4">
+            <a:extLst>
+              <a:ext uri="{FF2B5EF4-FFF2-40B4-BE49-F238E27FC236}">
+                <a16:creationId xmlns:a16="http://schemas.microsoft.com/office/drawing/2014/main" id="{915BABB7-7FD1-45AA-B963-275DECD63AE3}"/>
+              </a:ext>
+            </a:extLst>
+          </p:cNvPr>
+          <p:cNvPicPr>
+            <a:picLocks noChangeAspect="1"/>
+          </p:cNvPicPr>
+          <p:nvPr/>
+        </p:nvPicPr>
+        <p:blipFill>
+          <a:blip r:embed="rId9"/>
+          <a:stretch>
+            <a:fillRect/>
+          </a:stretch>
+        </p:blipFill>
+        <p:spPr>
+          <a:xfrm>
+            <a:off x="5253908" y="2701370"/>
+            <a:ext cx="1639296" cy="2339926"/>
+          </a:xfrm>
+          <a:prstGeom prst="ellipse">
+            <a:avLst/>
+          </a:prstGeom>
+          <a:ln>
+            <a:noFill/>
+          </a:ln>
+          <a:effectLst>
+            <a:softEdge rad="112500"/>
+          </a:effectLst>
+        </p:spPr>
+      </p:pic>
+      <p:pic>
+        <p:nvPicPr>
+          <p:cNvPr id="6" name="Slika 5">
+            <a:extLst>
+              <a:ext uri="{FF2B5EF4-FFF2-40B4-BE49-F238E27FC236}">
+                <a16:creationId xmlns:a16="http://schemas.microsoft.com/office/drawing/2014/main" id="{081DC115-7FC4-4E52-846D-6C4486BEA08E}"/>
+              </a:ext>
+            </a:extLst>
+          </p:cNvPr>
+          <p:cNvPicPr>
+            <a:picLocks noChangeAspect="1"/>
+          </p:cNvPicPr>
+          <p:nvPr/>
+        </p:nvPicPr>
+        <p:blipFill>
+          <a:blip r:embed="rId10"/>
+          <a:stretch>
+            <a:fillRect/>
+          </a:stretch>
+        </p:blipFill>
+        <p:spPr>
+          <a:xfrm>
+            <a:off x="7731404" y="2636985"/>
+            <a:ext cx="1639296" cy="2404311"/>
+          </a:xfrm>
+          <a:prstGeom prst="ellipse">
+            <a:avLst/>
+          </a:prstGeom>
+          <a:ln>
+            <a:noFill/>
+          </a:ln>
+          <a:effectLst>
+            <a:softEdge rad="112500"/>
+          </a:effectLst>
+        </p:spPr>
+      </p:pic>
     </p:spTree>
     <p:extLst>
       <p:ext uri="{BB962C8B-B14F-4D97-AF65-F5344CB8AC3E}">
@@ -4937,11 +5201,14 @@
   <p:clrMapOvr>
     <a:masterClrMapping/>
   </p:clrMapOvr>
+  <p:transition spd="slow">
+    <p:push dir="u"/>
+  </p:transition>
 </p:sld>
 </file>
 
-<file path=ppt/slides/slide5.xml><?xml version="1.0" encoding="utf-8"?>
-<p:sld xmlns:a="http://schemas.openxmlformats.org/drawingml/2006/main" xmlns:r="http://schemas.openxmlformats.org/officeDocument/2006/relationships" xmlns:p="http://schemas.openxmlformats.org/presentationml/2006/main">
+<file path=ppt/slides/slide6.xml><?xml version="1.0" encoding="utf-8"?>
+<p:sld xmlns:a="http://schemas.openxmlformats.org/drawingml/2006/main" xmlns:r="http://schemas.openxmlformats.org/officeDocument/2006/relationships" xmlns:p="http://schemas.openxmlformats.org/presentationml/2006/main" showMasterSp="0">
   <p:cSld>
     <p:spTree>
       <p:nvGrpSpPr>
@@ -4959,6 +5226,42 @@
       </p:grpSpPr>
       <p:pic>
         <p:nvPicPr>
+          <p:cNvPr id="13" name="Slika 12">
+            <a:extLst>
+              <a:ext uri="{FF2B5EF4-FFF2-40B4-BE49-F238E27FC236}">
+                <a16:creationId xmlns:a16="http://schemas.microsoft.com/office/drawing/2014/main" id="{24D78094-ED36-4F49-ADA9-CD818BFBB11B}"/>
+              </a:ext>
+            </a:extLst>
+          </p:cNvPr>
+          <p:cNvPicPr>
+            <a:picLocks noChangeAspect="1"/>
+          </p:cNvPicPr>
+          <p:nvPr/>
+        </p:nvPicPr>
+        <p:blipFill>
+          <a:blip r:embed="rId2">
+            <a:extLst>
+              <a:ext uri="{28A0092B-C50C-407E-A947-70E740481C1C}">
+                <a14:useLocalDpi xmlns:a14="http://schemas.microsoft.com/office/drawing/2010/main" val="0"/>
+              </a:ext>
+            </a:extLst>
+          </a:blip>
+          <a:stretch>
+            <a:fillRect/>
+          </a:stretch>
+        </p:blipFill>
+        <p:spPr>
+          <a:xfrm>
+            <a:off x="0" y="5705704"/>
+            <a:ext cx="12192000" cy="1121906"/>
+          </a:xfrm>
+          <a:prstGeom prst="rect">
+            <a:avLst/>
+          </a:prstGeom>
+        </p:spPr>
+      </p:pic>
+      <p:pic>
+        <p:nvPicPr>
           <p:cNvPr id="10" name="Rezervirano mjesto sadržaja 9">
             <a:extLst>
               <a:ext uri="{FF2B5EF4-FFF2-40B4-BE49-F238E27FC236}">
@@ -4974,14 +5277,14 @@
           </p:nvPr>
         </p:nvPicPr>
         <p:blipFill>
-          <a:blip r:embed="rId2"/>
+          <a:blip r:embed="rId3"/>
           <a:stretch>
             <a:fillRect/>
           </a:stretch>
         </p:blipFill>
         <p:spPr>
           <a:xfrm>
-            <a:off x="376870" y="2473141"/>
+            <a:off x="709123" y="320534"/>
             <a:ext cx="2667000" cy="2733675"/>
           </a:xfrm>
           <a:prstGeom prst="rect">
@@ -5004,7 +5307,7 @@
           <p:nvPr/>
         </p:nvPicPr>
         <p:blipFill>
-          <a:blip r:embed="rId3">
+          <a:blip r:embed="rId4">
             <a:extLst>
               <a:ext uri="{28A0092B-C50C-407E-A947-70E740481C1C}">
                 <a14:useLocalDpi xmlns:a14="http://schemas.microsoft.com/office/drawing/2010/main" val="0"/>
@@ -5017,7 +5320,7 @@
         </p:blipFill>
         <p:spPr>
           <a:xfrm>
-            <a:off x="3369547" y="1678162"/>
+            <a:off x="329251" y="3701010"/>
             <a:ext cx="4045677" cy="1840783"/>
           </a:xfrm>
           <a:prstGeom prst="rect">
@@ -5040,7 +5343,7 @@
           <p:nvPr/>
         </p:nvPicPr>
         <p:blipFill>
-          <a:blip r:embed="rId4">
+          <a:blip r:embed="rId5">
             <a:extLst>
               <a:ext uri="{28A0092B-C50C-407E-A947-70E740481C1C}">
                 <a14:useLocalDpi xmlns:a14="http://schemas.microsoft.com/office/drawing/2010/main" val="0"/>
@@ -5054,8 +5357,8 @@
         </p:blipFill>
         <p:spPr bwMode="auto">
           <a:xfrm>
-            <a:off x="3545986" y="4048453"/>
-            <a:ext cx="3105150" cy="1466850"/>
+            <a:off x="4437213" y="320534"/>
+            <a:ext cx="3316398" cy="1566642"/>
           </a:xfrm>
           <a:prstGeom prst="rect">
             <a:avLst/>
@@ -5072,6 +5375,164 @@
           </a:extLst>
         </p:spPr>
       </p:pic>
+      <p:pic>
+        <p:nvPicPr>
+          <p:cNvPr id="2" name="Picture 2" descr="Slikovni rezultat za stripe">
+            <a:extLst>
+              <a:ext uri="{FF2B5EF4-FFF2-40B4-BE49-F238E27FC236}">
+                <a16:creationId xmlns:a16="http://schemas.microsoft.com/office/drawing/2014/main" id="{FD2A14E0-B549-4441-BBF5-F04458C80DA3}"/>
+              </a:ext>
+            </a:extLst>
+          </p:cNvPr>
+          <p:cNvPicPr>
+            <a:picLocks noChangeAspect="1" noChangeArrowheads="1"/>
+          </p:cNvPicPr>
+          <p:nvPr/>
+        </p:nvPicPr>
+        <p:blipFill>
+          <a:blip r:embed="rId6">
+            <a:extLst>
+              <a:ext uri="{28A0092B-C50C-407E-A947-70E740481C1C}">
+                <a14:useLocalDpi xmlns:a14="http://schemas.microsoft.com/office/drawing/2010/main" val="0"/>
+              </a:ext>
+            </a:extLst>
+          </a:blip>
+          <a:srcRect/>
+          <a:stretch>
+            <a:fillRect/>
+          </a:stretch>
+        </p:blipFill>
+        <p:spPr bwMode="auto">
+          <a:xfrm>
+            <a:off x="4437213" y="2314022"/>
+            <a:ext cx="3877481" cy="1840783"/>
+          </a:xfrm>
+          <a:prstGeom prst="rect">
+            <a:avLst/>
+          </a:prstGeom>
+          <a:noFill/>
+          <a:extLst>
+            <a:ext uri="{909E8E84-426E-40DD-AFC4-6F175D3DCCD1}">
+              <a14:hiddenFill xmlns:a14="http://schemas.microsoft.com/office/drawing/2010/main">
+                <a:solidFill>
+                  <a:srgbClr val="FFFFFF"/>
+                </a:solidFill>
+              </a14:hiddenFill>
+            </a:ext>
+          </a:extLst>
+        </p:spPr>
+      </p:pic>
+      <p:pic>
+        <p:nvPicPr>
+          <p:cNvPr id="4" name="Grafika 3">
+            <a:extLst>
+              <a:ext uri="{FF2B5EF4-FFF2-40B4-BE49-F238E27FC236}">
+                <a16:creationId xmlns:a16="http://schemas.microsoft.com/office/drawing/2014/main" id="{74D07B63-E7BB-425F-91AD-0F9A62020118}"/>
+              </a:ext>
+            </a:extLst>
+          </p:cNvPr>
+          <p:cNvPicPr>
+            <a:picLocks noChangeAspect="1"/>
+          </p:cNvPicPr>
+          <p:nvPr/>
+        </p:nvPicPr>
+        <p:blipFill>
+          <a:blip r:embed="rId7">
+            <a:extLst>
+              <a:ext uri="{28A0092B-C50C-407E-A947-70E740481C1C}">
+                <a14:useLocalDpi xmlns:a14="http://schemas.microsoft.com/office/drawing/2010/main" val="0"/>
+              </a:ext>
+              <a:ext uri="{96DAC541-7B7A-43D3-8B79-37D633B846F1}">
+                <asvg:svgBlip xmlns:asvg="http://schemas.microsoft.com/office/drawing/2016/SVG/main" r:embed="rId8"/>
+              </a:ext>
+            </a:extLst>
+          </a:blip>
+          <a:stretch>
+            <a:fillRect/>
+          </a:stretch>
+        </p:blipFill>
+        <p:spPr>
+          <a:xfrm>
+            <a:off x="8916086" y="349495"/>
+            <a:ext cx="2838450" cy="2124075"/>
+          </a:xfrm>
+          <a:prstGeom prst="rect">
+            <a:avLst/>
+          </a:prstGeom>
+        </p:spPr>
+      </p:pic>
+      <p:pic>
+        <p:nvPicPr>
+          <p:cNvPr id="6" name="Slika 5">
+            <a:extLst>
+              <a:ext uri="{FF2B5EF4-FFF2-40B4-BE49-F238E27FC236}">
+                <a16:creationId xmlns:a16="http://schemas.microsoft.com/office/drawing/2014/main" id="{4DDAF6A3-7419-4AE2-A9BA-DC47040ED733}"/>
+              </a:ext>
+            </a:extLst>
+          </p:cNvPr>
+          <p:cNvPicPr>
+            <a:picLocks noChangeAspect="1"/>
+          </p:cNvPicPr>
+          <p:nvPr/>
+        </p:nvPicPr>
+        <p:blipFill>
+          <a:blip r:embed="rId9">
+            <a:extLst>
+              <a:ext uri="{28A0092B-C50C-407E-A947-70E740481C1C}">
+                <a14:useLocalDpi xmlns:a14="http://schemas.microsoft.com/office/drawing/2010/main" val="0"/>
+              </a:ext>
+            </a:extLst>
+          </a:blip>
+          <a:stretch>
+            <a:fillRect/>
+          </a:stretch>
+        </p:blipFill>
+        <p:spPr>
+          <a:xfrm>
+            <a:off x="8916086" y="2906552"/>
+            <a:ext cx="2743200" cy="3257550"/>
+          </a:xfrm>
+          <a:prstGeom prst="rect">
+            <a:avLst/>
+          </a:prstGeom>
+        </p:spPr>
+      </p:pic>
+      <p:pic>
+        <p:nvPicPr>
+          <p:cNvPr id="8" name="Slika 7">
+            <a:extLst>
+              <a:ext uri="{FF2B5EF4-FFF2-40B4-BE49-F238E27FC236}">
+                <a16:creationId xmlns:a16="http://schemas.microsoft.com/office/drawing/2014/main" id="{A89C0368-3461-412A-B38E-824BFCA971D9}"/>
+              </a:ext>
+            </a:extLst>
+          </p:cNvPr>
+          <p:cNvPicPr>
+            <a:picLocks noChangeAspect="1"/>
+          </p:cNvPicPr>
+          <p:nvPr/>
+        </p:nvPicPr>
+        <p:blipFill>
+          <a:blip r:embed="rId10">
+            <a:extLst>
+              <a:ext uri="{28A0092B-C50C-407E-A947-70E740481C1C}">
+                <a14:useLocalDpi xmlns:a14="http://schemas.microsoft.com/office/drawing/2010/main" val="0"/>
+              </a:ext>
+            </a:extLst>
+          </a:blip>
+          <a:stretch>
+            <a:fillRect/>
+          </a:stretch>
+        </p:blipFill>
+        <p:spPr>
+          <a:xfrm>
+            <a:off x="5222712" y="3857617"/>
+            <a:ext cx="2306485" cy="2306485"/>
+          </a:xfrm>
+          <a:prstGeom prst="rect">
+            <a:avLst/>
+          </a:prstGeom>
+        </p:spPr>
+      </p:pic>
     </p:spTree>
     <p:extLst>
       <p:ext uri="{BB962C8B-B14F-4D97-AF65-F5344CB8AC3E}">
@@ -5082,6 +5543,85 @@
   <p:clrMapOvr>
     <a:masterClrMapping/>
   </p:clrMapOvr>
+  <p:transition spd="slow">
+    <p:push dir="u"/>
+  </p:transition>
+</p:sld>
+</file>
+
+<file path=ppt/slides/slide7.xml><?xml version="1.0" encoding="utf-8"?>
+<p:sld xmlns:a="http://schemas.openxmlformats.org/drawingml/2006/main" xmlns:r="http://schemas.openxmlformats.org/officeDocument/2006/relationships" xmlns:p="http://schemas.openxmlformats.org/presentationml/2006/main">
+  <p:cSld>
+    <p:spTree>
+      <p:nvGrpSpPr>
+        <p:cNvPr id="1" name=""/>
+        <p:cNvGrpSpPr/>
+        <p:nvPr/>
+      </p:nvGrpSpPr>
+      <p:grpSpPr>
+        <a:xfrm>
+          <a:off x="0" y="0"/>
+          <a:ext cx="0" cy="0"/>
+          <a:chOff x="0" y="0"/>
+          <a:chExt cx="0" cy="0"/>
+        </a:xfrm>
+      </p:grpSpPr>
+      <p:sp>
+        <p:nvSpPr>
+          <p:cNvPr id="3" name="Rezervirano mjesto sadržaja 2">
+            <a:extLst>
+              <a:ext uri="{FF2B5EF4-FFF2-40B4-BE49-F238E27FC236}">
+                <a16:creationId xmlns:a16="http://schemas.microsoft.com/office/drawing/2014/main" id="{59AB7314-6B2F-47AF-8138-F99565BC517A}"/>
+              </a:ext>
+            </a:extLst>
+          </p:cNvPr>
+          <p:cNvSpPr>
+            <a:spLocks noGrp="1"/>
+          </p:cNvSpPr>
+          <p:nvPr>
+            <p:ph idx="1"/>
+          </p:nvPr>
+        </p:nvSpPr>
+        <p:spPr>
+          <a:xfrm>
+            <a:off x="1044677" y="3067666"/>
+            <a:ext cx="10515600" cy="1120877"/>
+          </a:xfrm>
+        </p:spPr>
+        <p:txBody>
+          <a:bodyPr>
+            <a:normAutofit/>
+          </a:bodyPr>
+          <a:lstStyle/>
+          <a:p>
+            <a:pPr marL="0" indent="0" algn="ctr">
+              <a:buNone/>
+            </a:pPr>
+            <a:r>
+              <a:rPr lang="en-US" sz="5400" dirty="0" err="1"/>
+              <a:t>Demonstracija</a:t>
+            </a:r>
+            <a:r>
+              <a:rPr lang="en-US" sz="5400" dirty="0"/>
+              <a:t>!</a:t>
+            </a:r>
+            <a:endParaRPr lang="hr-HR" sz="5400" dirty="0"/>
+          </a:p>
+        </p:txBody>
+      </p:sp>
+    </p:spTree>
+    <p:extLst>
+      <p:ext uri="{BB962C8B-B14F-4D97-AF65-F5344CB8AC3E}">
+        <p14:creationId xmlns:p14="http://schemas.microsoft.com/office/powerpoint/2010/main" val="496317400"/>
+      </p:ext>
+    </p:extLst>
+  </p:cSld>
+  <p:clrMapOvr>
+    <a:masterClrMapping/>
+  </p:clrMapOvr>
+  <p:transition spd="slow">
+    <p:push dir="u"/>
+  </p:transition>
 </p:sld>
 </file>
 

--- a/Prezentacija.pptx
+++ b/Prezentacija.pptx
@@ -203,7 +203,7 @@
           <a:p>
             <a:fld id="{33551FC5-BDF9-4D3A-8D5E-EE8D199ABB61}" type="datetimeFigureOut">
               <a:rPr lang="hr-HR" smtClean="0"/>
-              <a:t>7.6.2019.</a:t>
+              <a:t>9.6.2019.</a:t>
             </a:fld>
             <a:endParaRPr lang="hr-HR"/>
           </a:p>
@@ -723,7 +723,7 @@
           <a:p>
             <a:fld id="{3FEDB172-F0CD-45A5-8DCB-42EE545E7E28}" type="datetimeFigureOut">
               <a:rPr lang="hr-HR" smtClean="0"/>
-              <a:t>7.6.2019.</a:t>
+              <a:t>9.6.2019.</a:t>
             </a:fld>
             <a:endParaRPr lang="hr-HR"/>
           </a:p>
@@ -893,7 +893,7 @@
           <a:p>
             <a:fld id="{3FEDB172-F0CD-45A5-8DCB-42EE545E7E28}" type="datetimeFigureOut">
               <a:rPr lang="hr-HR" smtClean="0"/>
-              <a:t>7.6.2019.</a:t>
+              <a:t>9.6.2019.</a:t>
             </a:fld>
             <a:endParaRPr lang="hr-HR"/>
           </a:p>
@@ -1073,7 +1073,7 @@
           <a:p>
             <a:fld id="{3FEDB172-F0CD-45A5-8DCB-42EE545E7E28}" type="datetimeFigureOut">
               <a:rPr lang="hr-HR" smtClean="0"/>
-              <a:t>7.6.2019.</a:t>
+              <a:t>9.6.2019.</a:t>
             </a:fld>
             <a:endParaRPr lang="hr-HR"/>
           </a:p>
@@ -1180,7 +1180,7 @@
         <p:spPr>
           <a:xfrm>
             <a:off x="0" y="0"/>
-            <a:ext cx="12192000" cy="1646238"/>
+            <a:ext cx="12265572" cy="1646238"/>
           </a:xfrm>
           <a:prstGeom prst="rect">
             <a:avLst/>
@@ -1325,7 +1325,7 @@
           <a:p>
             <a:fld id="{3FEDB172-F0CD-45A5-8DCB-42EE545E7E28}" type="datetimeFigureOut">
               <a:rPr lang="hr-HR" smtClean="0"/>
-              <a:t>7.6.2019.</a:t>
+              <a:t>9.6.2019.</a:t>
             </a:fld>
             <a:endParaRPr lang="hr-HR"/>
           </a:p>
@@ -1571,7 +1571,7 @@
           <a:p>
             <a:fld id="{3FEDB172-F0CD-45A5-8DCB-42EE545E7E28}" type="datetimeFigureOut">
               <a:rPr lang="hr-HR" smtClean="0"/>
-              <a:t>7.6.2019.</a:t>
+              <a:t>9.6.2019.</a:t>
             </a:fld>
             <a:endParaRPr lang="hr-HR"/>
           </a:p>
@@ -1803,7 +1803,7 @@
           <a:p>
             <a:fld id="{3FEDB172-F0CD-45A5-8DCB-42EE545E7E28}" type="datetimeFigureOut">
               <a:rPr lang="hr-HR" smtClean="0"/>
-              <a:t>7.6.2019.</a:t>
+              <a:t>9.6.2019.</a:t>
             </a:fld>
             <a:endParaRPr lang="hr-HR"/>
           </a:p>
@@ -2170,7 +2170,7 @@
           <a:p>
             <a:fld id="{3FEDB172-F0CD-45A5-8DCB-42EE545E7E28}" type="datetimeFigureOut">
               <a:rPr lang="hr-HR" smtClean="0"/>
-              <a:t>7.6.2019.</a:t>
+              <a:t>9.6.2019.</a:t>
             </a:fld>
             <a:endParaRPr lang="hr-HR"/>
           </a:p>
@@ -2288,7 +2288,7 @@
           <a:p>
             <a:fld id="{3FEDB172-F0CD-45A5-8DCB-42EE545E7E28}" type="datetimeFigureOut">
               <a:rPr lang="hr-HR" smtClean="0"/>
-              <a:t>7.6.2019.</a:t>
+              <a:t>9.6.2019.</a:t>
             </a:fld>
             <a:endParaRPr lang="hr-HR"/>
           </a:p>
@@ -2383,7 +2383,7 @@
           <a:p>
             <a:fld id="{3FEDB172-F0CD-45A5-8DCB-42EE545E7E28}" type="datetimeFigureOut">
               <a:rPr lang="hr-HR" smtClean="0"/>
-              <a:t>7.6.2019.</a:t>
+              <a:t>9.6.2019.</a:t>
             </a:fld>
             <a:endParaRPr lang="hr-HR"/>
           </a:p>
@@ -2660,7 +2660,7 @@
           <a:p>
             <a:fld id="{3FEDB172-F0CD-45A5-8DCB-42EE545E7E28}" type="datetimeFigureOut">
               <a:rPr lang="hr-HR" smtClean="0"/>
-              <a:t>7.6.2019.</a:t>
+              <a:t>9.6.2019.</a:t>
             </a:fld>
             <a:endParaRPr lang="hr-HR"/>
           </a:p>
@@ -2917,7 +2917,7 @@
           <a:p>
             <a:fld id="{3FEDB172-F0CD-45A5-8DCB-42EE545E7E28}" type="datetimeFigureOut">
               <a:rPr lang="hr-HR" smtClean="0"/>
-              <a:t>7.6.2019.</a:t>
+              <a:t>9.6.2019.</a:t>
             </a:fld>
             <a:endParaRPr lang="hr-HR"/>
           </a:p>
@@ -3130,7 +3130,7 @@
           <a:p>
             <a:fld id="{3FEDB172-F0CD-45A5-8DCB-42EE545E7E28}" type="datetimeFigureOut">
               <a:rPr lang="hr-HR" smtClean="0"/>
-              <a:t>7.6.2019.</a:t>
+              <a:t>9.6.2019.</a:t>
             </a:fld>
             <a:endParaRPr lang="hr-HR"/>
           </a:p>
@@ -3937,7 +3937,7 @@
   </p:clrMapOvr>
   <mc:AlternateContent xmlns:mc="http://schemas.openxmlformats.org/markup-compatibility/2006">
     <mc:Choice xmlns:p15="http://schemas.microsoft.com/office/powerpoint/2012/main" Requires="p15">
-      <p:transition xmlns:p14="http://schemas.microsoft.com/office/powerpoint/2010/main" spd="slow" p14:dur="5500">
+      <p:transition xmlns:p14="http://schemas.microsoft.com/office/powerpoint/2010/main" spd="slow" p14:dur="8000">
         <p15:prstTrans prst="curtains"/>
       </p:transition>
     </mc:Choice>
@@ -4164,9 +4164,18 @@
   <p:clrMapOvr>
     <a:masterClrMapping/>
   </p:clrMapOvr>
-  <p:transition spd="slow">
-    <p:push dir="u"/>
-  </p:transition>
+  <mc:AlternateContent xmlns:mc="http://schemas.openxmlformats.org/markup-compatibility/2006">
+    <mc:Choice xmlns:p14="http://schemas.microsoft.com/office/powerpoint/2010/main" Requires="p14">
+      <p:transition spd="slow" p14:dur="2000">
+        <p:push dir="u"/>
+      </p:transition>
+    </mc:Choice>
+    <mc:Fallback>
+      <p:transition spd="slow">
+        <p:push dir="u"/>
+      </p:transition>
+    </mc:Fallback>
+  </mc:AlternateContent>
 </p:sld>
 </file>
 
@@ -4315,9 +4324,18 @@
   <p:clrMapOvr>
     <a:masterClrMapping/>
   </p:clrMapOvr>
-  <p:transition spd="slow">
-    <p:push dir="u"/>
-  </p:transition>
+  <mc:AlternateContent xmlns:mc="http://schemas.openxmlformats.org/markup-compatibility/2006">
+    <mc:Choice xmlns:p14="http://schemas.microsoft.com/office/powerpoint/2010/main" Requires="p14">
+      <p:transition spd="slow" p14:dur="2000">
+        <p:push dir="u"/>
+      </p:transition>
+    </mc:Choice>
+    <mc:Fallback>
+      <p:transition spd="slow">
+        <p:push dir="u"/>
+      </p:transition>
+    </mc:Fallback>
+  </mc:AlternateContent>
 </p:sld>
 </file>
 
@@ -4374,8 +4392,8 @@
         </p:blipFill>
         <p:spPr>
           <a:xfrm>
-            <a:off x="0" y="0"/>
-            <a:ext cx="12192000" cy="1646238"/>
+            <a:off x="0" y="-14749"/>
+            <a:ext cx="12329652" cy="1646238"/>
           </a:xfrm>
           <a:prstGeom prst="rect">
             <a:avLst/>
@@ -5201,9 +5219,18 @@
   <p:clrMapOvr>
     <a:masterClrMapping/>
   </p:clrMapOvr>
-  <p:transition spd="slow">
-    <p:push dir="u"/>
-  </p:transition>
+  <mc:AlternateContent xmlns:mc="http://schemas.openxmlformats.org/markup-compatibility/2006">
+    <mc:Choice xmlns:p14="http://schemas.microsoft.com/office/powerpoint/2010/main" Requires="p14">
+      <p:transition spd="slow" p14:dur="2000">
+        <p:push dir="u"/>
+      </p:transition>
+    </mc:Choice>
+    <mc:Fallback>
+      <p:transition spd="slow">
+        <p:push dir="u"/>
+      </p:transition>
+    </mc:Fallback>
+  </mc:AlternateContent>
 </p:sld>
 </file>
 
@@ -5543,9 +5570,18 @@
   <p:clrMapOvr>
     <a:masterClrMapping/>
   </p:clrMapOvr>
-  <p:transition spd="slow">
-    <p:push dir="u"/>
-  </p:transition>
+  <mc:AlternateContent xmlns:mc="http://schemas.openxmlformats.org/markup-compatibility/2006">
+    <mc:Choice xmlns:p14="http://schemas.microsoft.com/office/powerpoint/2010/main" Requires="p14">
+      <p:transition spd="slow" p14:dur="2000">
+        <p:push dir="u"/>
+      </p:transition>
+    </mc:Choice>
+    <mc:Fallback>
+      <p:transition spd="slow">
+        <p:push dir="u"/>
+      </p:transition>
+    </mc:Fallback>
+  </mc:AlternateContent>
 </p:sld>
 </file>
 
@@ -5619,9 +5655,18 @@
   <p:clrMapOvr>
     <a:masterClrMapping/>
   </p:clrMapOvr>
-  <p:transition spd="slow">
-    <p:push dir="u"/>
-  </p:transition>
+  <mc:AlternateContent xmlns:mc="http://schemas.openxmlformats.org/markup-compatibility/2006">
+    <mc:Choice xmlns:p14="http://schemas.microsoft.com/office/powerpoint/2010/main" Requires="p14">
+      <p:transition spd="slow" p14:dur="2000">
+        <p:push dir="u"/>
+      </p:transition>
+    </mc:Choice>
+    <mc:Fallback>
+      <p:transition spd="slow">
+        <p:push dir="u"/>
+      </p:transition>
+    </mc:Fallback>
+  </mc:AlternateContent>
 </p:sld>
 </file>
 

--- a/Prezentacija.pptx
+++ b/Prezentacija.pptx
@@ -10,8 +10,8 @@
   <p:sldIdLst>
     <p:sldId id="263" r:id="rId2"/>
     <p:sldId id="256" r:id="rId3"/>
-    <p:sldId id="261" r:id="rId4"/>
-    <p:sldId id="259" r:id="rId5"/>
+    <p:sldId id="259" r:id="rId4"/>
+    <p:sldId id="261" r:id="rId5"/>
     <p:sldId id="260" r:id="rId6"/>
     <p:sldId id="258" r:id="rId7"/>
     <p:sldId id="262" r:id="rId8"/>
@@ -203,7 +203,7 @@
           <a:p>
             <a:fld id="{33551FC5-BDF9-4D3A-8D5E-EE8D199ABB61}" type="datetimeFigureOut">
               <a:rPr lang="hr-HR" smtClean="0"/>
-              <a:t>9.6.2019.</a:t>
+              <a:t>12.6.2019.</a:t>
             </a:fld>
             <a:endParaRPr lang="hr-HR"/>
           </a:p>
@@ -723,7 +723,7 @@
           <a:p>
             <a:fld id="{3FEDB172-F0CD-45A5-8DCB-42EE545E7E28}" type="datetimeFigureOut">
               <a:rPr lang="hr-HR" smtClean="0"/>
-              <a:t>9.6.2019.</a:t>
+              <a:t>12.6.2019.</a:t>
             </a:fld>
             <a:endParaRPr lang="hr-HR"/>
           </a:p>
@@ -893,7 +893,7 @@
           <a:p>
             <a:fld id="{3FEDB172-F0CD-45A5-8DCB-42EE545E7E28}" type="datetimeFigureOut">
               <a:rPr lang="hr-HR" smtClean="0"/>
-              <a:t>9.6.2019.</a:t>
+              <a:t>12.6.2019.</a:t>
             </a:fld>
             <a:endParaRPr lang="hr-HR"/>
           </a:p>
@@ -1073,7 +1073,7 @@
           <a:p>
             <a:fld id="{3FEDB172-F0CD-45A5-8DCB-42EE545E7E28}" type="datetimeFigureOut">
               <a:rPr lang="hr-HR" smtClean="0"/>
-              <a:t>9.6.2019.</a:t>
+              <a:t>12.6.2019.</a:t>
             </a:fld>
             <a:endParaRPr lang="hr-HR"/>
           </a:p>
@@ -1325,7 +1325,7 @@
           <a:p>
             <a:fld id="{3FEDB172-F0CD-45A5-8DCB-42EE545E7E28}" type="datetimeFigureOut">
               <a:rPr lang="hr-HR" smtClean="0"/>
-              <a:t>9.6.2019.</a:t>
+              <a:t>12.6.2019.</a:t>
             </a:fld>
             <a:endParaRPr lang="hr-HR"/>
           </a:p>
@@ -1571,7 +1571,7 @@
           <a:p>
             <a:fld id="{3FEDB172-F0CD-45A5-8DCB-42EE545E7E28}" type="datetimeFigureOut">
               <a:rPr lang="hr-HR" smtClean="0"/>
-              <a:t>9.6.2019.</a:t>
+              <a:t>12.6.2019.</a:t>
             </a:fld>
             <a:endParaRPr lang="hr-HR"/>
           </a:p>
@@ -1803,7 +1803,7 @@
           <a:p>
             <a:fld id="{3FEDB172-F0CD-45A5-8DCB-42EE545E7E28}" type="datetimeFigureOut">
               <a:rPr lang="hr-HR" smtClean="0"/>
-              <a:t>9.6.2019.</a:t>
+              <a:t>12.6.2019.</a:t>
             </a:fld>
             <a:endParaRPr lang="hr-HR"/>
           </a:p>
@@ -2170,7 +2170,7 @@
           <a:p>
             <a:fld id="{3FEDB172-F0CD-45A5-8DCB-42EE545E7E28}" type="datetimeFigureOut">
               <a:rPr lang="hr-HR" smtClean="0"/>
-              <a:t>9.6.2019.</a:t>
+              <a:t>12.6.2019.</a:t>
             </a:fld>
             <a:endParaRPr lang="hr-HR"/>
           </a:p>
@@ -2288,7 +2288,7 @@
           <a:p>
             <a:fld id="{3FEDB172-F0CD-45A5-8DCB-42EE545E7E28}" type="datetimeFigureOut">
               <a:rPr lang="hr-HR" smtClean="0"/>
-              <a:t>9.6.2019.</a:t>
+              <a:t>12.6.2019.</a:t>
             </a:fld>
             <a:endParaRPr lang="hr-HR"/>
           </a:p>
@@ -2383,7 +2383,7 @@
           <a:p>
             <a:fld id="{3FEDB172-F0CD-45A5-8DCB-42EE545E7E28}" type="datetimeFigureOut">
               <a:rPr lang="hr-HR" smtClean="0"/>
-              <a:t>9.6.2019.</a:t>
+              <a:t>12.6.2019.</a:t>
             </a:fld>
             <a:endParaRPr lang="hr-HR"/>
           </a:p>
@@ -2660,7 +2660,7 @@
           <a:p>
             <a:fld id="{3FEDB172-F0CD-45A5-8DCB-42EE545E7E28}" type="datetimeFigureOut">
               <a:rPr lang="hr-HR" smtClean="0"/>
-              <a:t>9.6.2019.</a:t>
+              <a:t>12.6.2019.</a:t>
             </a:fld>
             <a:endParaRPr lang="hr-HR"/>
           </a:p>
@@ -2917,7 +2917,7 @@
           <a:p>
             <a:fld id="{3FEDB172-F0CD-45A5-8DCB-42EE545E7E28}" type="datetimeFigureOut">
               <a:rPr lang="hr-HR" smtClean="0"/>
-              <a:t>9.6.2019.</a:t>
+              <a:t>12.6.2019.</a:t>
             </a:fld>
             <a:endParaRPr lang="hr-HR"/>
           </a:p>
@@ -3130,7 +3130,7 @@
           <a:p>
             <a:fld id="{3FEDB172-F0CD-45A5-8DCB-42EE545E7E28}" type="datetimeFigureOut">
               <a:rPr lang="hr-HR" smtClean="0"/>
-              <a:t>9.6.2019.</a:t>
+              <a:t>12.6.2019.</a:t>
             </a:fld>
             <a:endParaRPr lang="hr-HR"/>
           </a:p>
@@ -3935,13 +3935,13 @@
   <p:clrMapOvr>
     <a:masterClrMapping/>
   </p:clrMapOvr>
-  <mc:AlternateContent xmlns:mc="http://schemas.openxmlformats.org/markup-compatibility/2006">
-    <mc:Choice xmlns:p15="http://schemas.microsoft.com/office/powerpoint/2012/main" Requires="p15">
+  <mc:AlternateContent xmlns:mc="http://schemas.openxmlformats.org/markup-compatibility/2006" xmlns:p15="http://schemas.microsoft.com/office/powerpoint/2012/main">
+    <mc:Choice Requires="p15">
       <p:transition xmlns:p14="http://schemas.microsoft.com/office/powerpoint/2010/main" spd="slow" p14:dur="8000">
         <p15:prstTrans prst="curtains"/>
       </p:transition>
     </mc:Choice>
-    <mc:Fallback>
+    <mc:Fallback xmlns="">
       <p:transition spd="slow">
         <p:fade/>
       </p:transition>
@@ -3951,6 +3951,166 @@
 </file>
 
 <file path=ppt/slides/slide3.xml><?xml version="1.0" encoding="utf-8"?>
+<p:sld xmlns:a="http://schemas.openxmlformats.org/drawingml/2006/main" xmlns:r="http://schemas.openxmlformats.org/officeDocument/2006/relationships" xmlns:p="http://schemas.openxmlformats.org/presentationml/2006/main">
+  <p:cSld>
+    <p:spTree>
+      <p:nvGrpSpPr>
+        <p:cNvPr id="1" name=""/>
+        <p:cNvGrpSpPr/>
+        <p:nvPr/>
+      </p:nvGrpSpPr>
+      <p:grpSpPr>
+        <a:xfrm>
+          <a:off x="0" y="0"/>
+          <a:ext cx="0" cy="0"/>
+          <a:chOff x="0" y="0"/>
+          <a:chExt cx="0" cy="0"/>
+        </a:xfrm>
+      </p:grpSpPr>
+      <p:sp>
+        <p:nvSpPr>
+          <p:cNvPr id="3" name="Rezervirano mjesto sadržaja 2">
+            <a:extLst>
+              <a:ext uri="{FF2B5EF4-FFF2-40B4-BE49-F238E27FC236}">
+                <a16:creationId xmlns:a16="http://schemas.microsoft.com/office/drawing/2014/main" id="{C4203CDA-555D-47D6-856B-577D530EB49D}"/>
+              </a:ext>
+            </a:extLst>
+          </p:cNvPr>
+          <p:cNvSpPr>
+            <a:spLocks noGrp="1"/>
+          </p:cNvSpPr>
+          <p:nvPr>
+            <p:ph idx="1"/>
+          </p:nvPr>
+        </p:nvSpPr>
+        <p:spPr>
+          <a:xfrm>
+            <a:off x="838200" y="1825625"/>
+            <a:ext cx="10515600" cy="2508380"/>
+          </a:xfrm>
+        </p:spPr>
+        <p:txBody>
+          <a:bodyPr/>
+          <a:lstStyle/>
+          <a:p>
+            <a:pPr marL="0" indent="0">
+              <a:buNone/>
+            </a:pPr>
+            <a:r>
+              <a:rPr lang="en-US" dirty="0"/>
+              <a:t> </a:t>
+            </a:r>
+          </a:p>
+          <a:p>
+            <a:pPr marL="0" indent="0">
+              <a:buNone/>
+            </a:pPr>
+            <a:endParaRPr lang="en-US" dirty="0"/>
+          </a:p>
+          <a:p>
+            <a:pPr marL="0" indent="0">
+              <a:buNone/>
+            </a:pPr>
+            <a:endParaRPr lang="en-US" dirty="0"/>
+          </a:p>
+          <a:p>
+            <a:pPr marL="0" indent="0">
+              <a:buNone/>
+            </a:pPr>
+            <a:r>
+              <a:rPr lang="en-US" sz="3200" dirty="0"/>
+              <a:t>Mentor: </a:t>
+            </a:r>
+            <a:r>
+              <a:rPr lang="hr-HR" sz="3200" b="1" dirty="0"/>
+              <a:t>Luka Matković</a:t>
+            </a:r>
+            <a:endParaRPr lang="en-US" sz="3200" b="1" dirty="0"/>
+          </a:p>
+          <a:p>
+            <a:endParaRPr lang="en-US" dirty="0"/>
+          </a:p>
+          <a:p>
+            <a:endParaRPr lang="en-US" dirty="0"/>
+          </a:p>
+          <a:p>
+            <a:endParaRPr lang="hr-HR" dirty="0"/>
+          </a:p>
+        </p:txBody>
+      </p:sp>
+      <p:pic>
+        <p:nvPicPr>
+          <p:cNvPr id="2052" name="Picture 4" descr="Slikovni rezultat za Alarm Automatika">
+            <a:extLst>
+              <a:ext uri="{FF2B5EF4-FFF2-40B4-BE49-F238E27FC236}">
+                <a16:creationId xmlns:a16="http://schemas.microsoft.com/office/drawing/2014/main" id="{9FBD7B0A-9BBB-4FA6-AA83-87018E5BBE94}"/>
+              </a:ext>
+            </a:extLst>
+          </p:cNvPr>
+          <p:cNvPicPr>
+            <a:picLocks noChangeAspect="1" noChangeArrowheads="1"/>
+          </p:cNvPicPr>
+          <p:nvPr/>
+        </p:nvPicPr>
+        <p:blipFill>
+          <a:blip r:embed="rId2">
+            <a:extLst>
+              <a:ext uri="{28A0092B-C50C-407E-A947-70E740481C1C}">
+                <a14:useLocalDpi xmlns:a14="http://schemas.microsoft.com/office/drawing/2010/main" val="0"/>
+              </a:ext>
+            </a:extLst>
+          </a:blip>
+          <a:srcRect/>
+          <a:stretch>
+            <a:fillRect/>
+          </a:stretch>
+        </p:blipFill>
+        <p:spPr bwMode="auto">
+          <a:xfrm>
+            <a:off x="5926182" y="2257691"/>
+            <a:ext cx="4219901" cy="2808152"/>
+          </a:xfrm>
+          <a:prstGeom prst="rect">
+            <a:avLst/>
+          </a:prstGeom>
+          <a:noFill/>
+          <a:extLst>
+            <a:ext uri="{909E8E84-426E-40DD-AFC4-6F175D3DCCD1}">
+              <a14:hiddenFill xmlns:a14="http://schemas.microsoft.com/office/drawing/2010/main">
+                <a:solidFill>
+                  <a:srgbClr val="FFFFFF"/>
+                </a:solidFill>
+              </a14:hiddenFill>
+            </a:ext>
+          </a:extLst>
+        </p:spPr>
+      </p:pic>
+    </p:spTree>
+    <p:extLst>
+      <p:ext uri="{BB962C8B-B14F-4D97-AF65-F5344CB8AC3E}">
+        <p14:creationId xmlns:p14="http://schemas.microsoft.com/office/powerpoint/2010/main" val="419595326"/>
+      </p:ext>
+    </p:extLst>
+  </p:cSld>
+  <p:clrMapOvr>
+    <a:masterClrMapping/>
+  </p:clrMapOvr>
+  <mc:AlternateContent xmlns:mc="http://schemas.openxmlformats.org/markup-compatibility/2006" xmlns:p14="http://schemas.microsoft.com/office/powerpoint/2010/main">
+    <mc:Choice Requires="p14">
+      <p:transition spd="slow" p14:dur="2000">
+        <p:push dir="u"/>
+      </p:transition>
+    </mc:Choice>
+    <mc:Fallback xmlns="">
+      <p:transition spd="slow">
+        <p:push dir="u"/>
+      </p:transition>
+    </mc:Fallback>
+  </mc:AlternateContent>
+</p:sld>
+</file>
+
+<file path=ppt/slides/slide4.xml><?xml version="1.0" encoding="utf-8"?>
 <p:sld xmlns:a="http://schemas.openxmlformats.org/drawingml/2006/main" xmlns:r="http://schemas.openxmlformats.org/officeDocument/2006/relationships" xmlns:p="http://schemas.openxmlformats.org/presentationml/2006/main">
   <p:cSld>
     <p:spTree>
@@ -4164,173 +4324,13 @@
   <p:clrMapOvr>
     <a:masterClrMapping/>
   </p:clrMapOvr>
-  <mc:AlternateContent xmlns:mc="http://schemas.openxmlformats.org/markup-compatibility/2006">
-    <mc:Choice xmlns:p14="http://schemas.microsoft.com/office/powerpoint/2010/main" Requires="p14">
+  <mc:AlternateContent xmlns:mc="http://schemas.openxmlformats.org/markup-compatibility/2006" xmlns:p14="http://schemas.microsoft.com/office/powerpoint/2010/main">
+    <mc:Choice Requires="p14">
       <p:transition spd="slow" p14:dur="2000">
         <p:push dir="u"/>
       </p:transition>
     </mc:Choice>
-    <mc:Fallback>
-      <p:transition spd="slow">
-        <p:push dir="u"/>
-      </p:transition>
-    </mc:Fallback>
-  </mc:AlternateContent>
-</p:sld>
-</file>
-
-<file path=ppt/slides/slide4.xml><?xml version="1.0" encoding="utf-8"?>
-<p:sld xmlns:a="http://schemas.openxmlformats.org/drawingml/2006/main" xmlns:r="http://schemas.openxmlformats.org/officeDocument/2006/relationships" xmlns:p="http://schemas.openxmlformats.org/presentationml/2006/main">
-  <p:cSld>
-    <p:spTree>
-      <p:nvGrpSpPr>
-        <p:cNvPr id="1" name=""/>
-        <p:cNvGrpSpPr/>
-        <p:nvPr/>
-      </p:nvGrpSpPr>
-      <p:grpSpPr>
-        <a:xfrm>
-          <a:off x="0" y="0"/>
-          <a:ext cx="0" cy="0"/>
-          <a:chOff x="0" y="0"/>
-          <a:chExt cx="0" cy="0"/>
-        </a:xfrm>
-      </p:grpSpPr>
-      <p:sp>
-        <p:nvSpPr>
-          <p:cNvPr id="3" name="Rezervirano mjesto sadržaja 2">
-            <a:extLst>
-              <a:ext uri="{FF2B5EF4-FFF2-40B4-BE49-F238E27FC236}">
-                <a16:creationId xmlns:a16="http://schemas.microsoft.com/office/drawing/2014/main" id="{C4203CDA-555D-47D6-856B-577D530EB49D}"/>
-              </a:ext>
-            </a:extLst>
-          </p:cNvPr>
-          <p:cNvSpPr>
-            <a:spLocks noGrp="1"/>
-          </p:cNvSpPr>
-          <p:nvPr>
-            <p:ph idx="1"/>
-          </p:nvPr>
-        </p:nvSpPr>
-        <p:spPr>
-          <a:xfrm>
-            <a:off x="838200" y="1825625"/>
-            <a:ext cx="10515600" cy="2508380"/>
-          </a:xfrm>
-        </p:spPr>
-        <p:txBody>
-          <a:bodyPr/>
-          <a:lstStyle/>
-          <a:p>
-            <a:pPr marL="0" indent="0">
-              <a:buNone/>
-            </a:pPr>
-            <a:r>
-              <a:rPr lang="en-US" dirty="0"/>
-              <a:t> </a:t>
-            </a:r>
-          </a:p>
-          <a:p>
-            <a:pPr marL="0" indent="0">
-              <a:buNone/>
-            </a:pPr>
-            <a:endParaRPr lang="en-US" dirty="0"/>
-          </a:p>
-          <a:p>
-            <a:pPr marL="0" indent="0">
-              <a:buNone/>
-            </a:pPr>
-            <a:endParaRPr lang="en-US" dirty="0"/>
-          </a:p>
-          <a:p>
-            <a:pPr marL="0" indent="0">
-              <a:buNone/>
-            </a:pPr>
-            <a:r>
-              <a:rPr lang="en-US" sz="3200" dirty="0"/>
-              <a:t>Mentor: </a:t>
-            </a:r>
-            <a:r>
-              <a:rPr lang="hr-HR" sz="3200" b="1" dirty="0"/>
-              <a:t>Luka Matković</a:t>
-            </a:r>
-            <a:endParaRPr lang="en-US" sz="3200" b="1" dirty="0"/>
-          </a:p>
-          <a:p>
-            <a:endParaRPr lang="en-US" dirty="0"/>
-          </a:p>
-          <a:p>
-            <a:endParaRPr lang="en-US" dirty="0"/>
-          </a:p>
-          <a:p>
-            <a:endParaRPr lang="hr-HR" dirty="0"/>
-          </a:p>
-        </p:txBody>
-      </p:sp>
-      <p:pic>
-        <p:nvPicPr>
-          <p:cNvPr id="2052" name="Picture 4" descr="Slikovni rezultat za Alarm Automatika">
-            <a:extLst>
-              <a:ext uri="{FF2B5EF4-FFF2-40B4-BE49-F238E27FC236}">
-                <a16:creationId xmlns:a16="http://schemas.microsoft.com/office/drawing/2014/main" id="{9FBD7B0A-9BBB-4FA6-AA83-87018E5BBE94}"/>
-              </a:ext>
-            </a:extLst>
-          </p:cNvPr>
-          <p:cNvPicPr>
-            <a:picLocks noChangeAspect="1" noChangeArrowheads="1"/>
-          </p:cNvPicPr>
-          <p:nvPr/>
-        </p:nvPicPr>
-        <p:blipFill>
-          <a:blip r:embed="rId2">
-            <a:extLst>
-              <a:ext uri="{28A0092B-C50C-407E-A947-70E740481C1C}">
-                <a14:useLocalDpi xmlns:a14="http://schemas.microsoft.com/office/drawing/2010/main" val="0"/>
-              </a:ext>
-            </a:extLst>
-          </a:blip>
-          <a:srcRect/>
-          <a:stretch>
-            <a:fillRect/>
-          </a:stretch>
-        </p:blipFill>
-        <p:spPr bwMode="auto">
-          <a:xfrm>
-            <a:off x="5926182" y="2257691"/>
-            <a:ext cx="4219901" cy="2808152"/>
-          </a:xfrm>
-          <a:prstGeom prst="rect">
-            <a:avLst/>
-          </a:prstGeom>
-          <a:noFill/>
-          <a:extLst>
-            <a:ext uri="{909E8E84-426E-40DD-AFC4-6F175D3DCCD1}">
-              <a14:hiddenFill xmlns:a14="http://schemas.microsoft.com/office/drawing/2010/main">
-                <a:solidFill>
-                  <a:srgbClr val="FFFFFF"/>
-                </a:solidFill>
-              </a14:hiddenFill>
-            </a:ext>
-          </a:extLst>
-        </p:spPr>
-      </p:pic>
-    </p:spTree>
-    <p:extLst>
-      <p:ext uri="{BB962C8B-B14F-4D97-AF65-F5344CB8AC3E}">
-        <p14:creationId xmlns:p14="http://schemas.microsoft.com/office/powerpoint/2010/main" val="419595326"/>
-      </p:ext>
-    </p:extLst>
-  </p:cSld>
-  <p:clrMapOvr>
-    <a:masterClrMapping/>
-  </p:clrMapOvr>
-  <mc:AlternateContent xmlns:mc="http://schemas.openxmlformats.org/markup-compatibility/2006">
-    <mc:Choice xmlns:p14="http://schemas.microsoft.com/office/powerpoint/2010/main" Requires="p14">
-      <p:transition spd="slow" p14:dur="2000">
-        <p:push dir="u"/>
-      </p:transition>
-    </mc:Choice>
-    <mc:Fallback>
+    <mc:Fallback xmlns="">
       <p:transition spd="slow">
         <p:push dir="u"/>
       </p:transition>
@@ -5219,13 +5219,13 @@
   <p:clrMapOvr>
     <a:masterClrMapping/>
   </p:clrMapOvr>
-  <mc:AlternateContent xmlns:mc="http://schemas.openxmlformats.org/markup-compatibility/2006">
-    <mc:Choice xmlns:p14="http://schemas.microsoft.com/office/powerpoint/2010/main" Requires="p14">
+  <mc:AlternateContent xmlns:mc="http://schemas.openxmlformats.org/markup-compatibility/2006" xmlns:p14="http://schemas.microsoft.com/office/powerpoint/2010/main">
+    <mc:Choice Requires="p14">
       <p:transition spd="slow" p14:dur="2000">
         <p:push dir="u"/>
       </p:transition>
     </mc:Choice>
-    <mc:Fallback>
+    <mc:Fallback xmlns="">
       <p:transition spd="slow">
         <p:push dir="u"/>
       </p:transition>
@@ -5570,13 +5570,13 @@
   <p:clrMapOvr>
     <a:masterClrMapping/>
   </p:clrMapOvr>
-  <mc:AlternateContent xmlns:mc="http://schemas.openxmlformats.org/markup-compatibility/2006">
-    <mc:Choice xmlns:p14="http://schemas.microsoft.com/office/powerpoint/2010/main" Requires="p14">
+  <mc:AlternateContent xmlns:mc="http://schemas.openxmlformats.org/markup-compatibility/2006" xmlns:p14="http://schemas.microsoft.com/office/powerpoint/2010/main">
+    <mc:Choice Requires="p14">
       <p:transition spd="slow" p14:dur="2000">
         <p:push dir="u"/>
       </p:transition>
     </mc:Choice>
-    <mc:Fallback>
+    <mc:Fallback xmlns="">
       <p:transition spd="slow">
         <p:push dir="u"/>
       </p:transition>
@@ -5655,13 +5655,13 @@
   <p:clrMapOvr>
     <a:masterClrMapping/>
   </p:clrMapOvr>
-  <mc:AlternateContent xmlns:mc="http://schemas.openxmlformats.org/markup-compatibility/2006">
-    <mc:Choice xmlns:p14="http://schemas.microsoft.com/office/powerpoint/2010/main" Requires="p14">
+  <mc:AlternateContent xmlns:mc="http://schemas.openxmlformats.org/markup-compatibility/2006" xmlns:p14="http://schemas.microsoft.com/office/powerpoint/2010/main">
+    <mc:Choice Requires="p14">
       <p:transition spd="slow" p14:dur="2000">
         <p:push dir="u"/>
       </p:transition>
     </mc:Choice>
-    <mc:Fallback>
+    <mc:Fallback xmlns="">
       <p:transition spd="slow">
         <p:push dir="u"/>
       </p:transition>
